--- a/src/Java/Java.pptx
+++ b/src/Java/Java.pptx
@@ -5,10 +5,9 @@
     <p:sldMasterId id="2147483648" r:id="rId1"/>
   </p:sldMasterIdLst>
   <p:sldIdLst>
-    <p:sldId id="260" r:id="rId2"/>
-    <p:sldId id="257" r:id="rId3"/>
-    <p:sldId id="258" r:id="rId4"/>
-    <p:sldId id="259" r:id="rId5"/>
+    <p:sldId id="257" r:id="rId2"/>
+    <p:sldId id="258" r:id="rId3"/>
+    <p:sldId id="259" r:id="rId4"/>
   </p:sldIdLst>
   <p:sldSz cx="12192000" cy="6858000"/>
   <p:notesSz cx="6858000" cy="9144000"/>
@@ -262,7 +261,7 @@
           <a:p>
             <a:fld id="{DCC0BE08-026D-4B7C-AA84-9E0859B682B8}" type="datetimeFigureOut">
               <a:rPr lang="en-US" smtClean="0"/>
-              <a:t>1/19/2026</a:t>
+              <a:t>1/31/2026</a:t>
             </a:fld>
             <a:endParaRPr lang="en-US"/>
           </a:p>
@@ -460,7 +459,7 @@
           <a:p>
             <a:fld id="{DCC0BE08-026D-4B7C-AA84-9E0859B682B8}" type="datetimeFigureOut">
               <a:rPr lang="en-US" smtClean="0"/>
-              <a:t>1/19/2026</a:t>
+              <a:t>1/31/2026</a:t>
             </a:fld>
             <a:endParaRPr lang="en-US"/>
           </a:p>
@@ -668,7 +667,7 @@
           <a:p>
             <a:fld id="{DCC0BE08-026D-4B7C-AA84-9E0859B682B8}" type="datetimeFigureOut">
               <a:rPr lang="en-US" smtClean="0"/>
-              <a:t>1/19/2026</a:t>
+              <a:t>1/31/2026</a:t>
             </a:fld>
             <a:endParaRPr lang="en-US"/>
           </a:p>
@@ -866,7 +865,7 @@
           <a:p>
             <a:fld id="{DCC0BE08-026D-4B7C-AA84-9E0859B682B8}" type="datetimeFigureOut">
               <a:rPr lang="en-US" smtClean="0"/>
-              <a:t>1/19/2026</a:t>
+              <a:t>1/31/2026</a:t>
             </a:fld>
             <a:endParaRPr lang="en-US"/>
           </a:p>
@@ -1141,7 +1140,7 @@
           <a:p>
             <a:fld id="{DCC0BE08-026D-4B7C-AA84-9E0859B682B8}" type="datetimeFigureOut">
               <a:rPr lang="en-US" smtClean="0"/>
-              <a:t>1/19/2026</a:t>
+              <a:t>1/31/2026</a:t>
             </a:fld>
             <a:endParaRPr lang="en-US"/>
           </a:p>
@@ -1406,7 +1405,7 @@
           <a:p>
             <a:fld id="{DCC0BE08-026D-4B7C-AA84-9E0859B682B8}" type="datetimeFigureOut">
               <a:rPr lang="en-US" smtClean="0"/>
-              <a:t>1/19/2026</a:t>
+              <a:t>1/31/2026</a:t>
             </a:fld>
             <a:endParaRPr lang="en-US"/>
           </a:p>
@@ -1818,7 +1817,7 @@
           <a:p>
             <a:fld id="{DCC0BE08-026D-4B7C-AA84-9E0859B682B8}" type="datetimeFigureOut">
               <a:rPr lang="en-US" smtClean="0"/>
-              <a:t>1/19/2026</a:t>
+              <a:t>1/31/2026</a:t>
             </a:fld>
             <a:endParaRPr lang="en-US"/>
           </a:p>
@@ -1959,7 +1958,7 @@
           <a:p>
             <a:fld id="{DCC0BE08-026D-4B7C-AA84-9E0859B682B8}" type="datetimeFigureOut">
               <a:rPr lang="en-US" smtClean="0"/>
-              <a:t>1/19/2026</a:t>
+              <a:t>1/31/2026</a:t>
             </a:fld>
             <a:endParaRPr lang="en-US"/>
           </a:p>
@@ -2072,7 +2071,7 @@
           <a:p>
             <a:fld id="{DCC0BE08-026D-4B7C-AA84-9E0859B682B8}" type="datetimeFigureOut">
               <a:rPr lang="en-US" smtClean="0"/>
-              <a:t>1/19/2026</a:t>
+              <a:t>1/31/2026</a:t>
             </a:fld>
             <a:endParaRPr lang="en-US"/>
           </a:p>
@@ -2383,7 +2382,7 @@
           <a:p>
             <a:fld id="{DCC0BE08-026D-4B7C-AA84-9E0859B682B8}" type="datetimeFigureOut">
               <a:rPr lang="en-US" smtClean="0"/>
-              <a:t>1/19/2026</a:t>
+              <a:t>1/31/2026</a:t>
             </a:fld>
             <a:endParaRPr lang="en-US"/>
           </a:p>
@@ -2671,7 +2670,7 @@
           <a:p>
             <a:fld id="{DCC0BE08-026D-4B7C-AA84-9E0859B682B8}" type="datetimeFigureOut">
               <a:rPr lang="en-US" smtClean="0"/>
-              <a:t>1/19/2026</a:t>
+              <a:t>1/31/2026</a:t>
             </a:fld>
             <a:endParaRPr lang="en-US"/>
           </a:p>
@@ -2912,7 +2911,7 @@
           <a:p>
             <a:fld id="{DCC0BE08-026D-4B7C-AA84-9E0859B682B8}" type="datetimeFigureOut">
               <a:rPr lang="en-US" smtClean="0"/>
-              <a:t>1/19/2026</a:t>
+              <a:t>1/31/2026</a:t>
             </a:fld>
             <a:endParaRPr lang="en-US"/>
           </a:p>
@@ -3317,165 +3316,6 @@
   <p:cSld>
     <p:spTree>
       <p:nvGrpSpPr>
-        <p:cNvPr id="1" name="">
-          <a:extLst>
-            <a:ext uri="{FF2B5EF4-FFF2-40B4-BE49-F238E27FC236}">
-              <a16:creationId xmlns:a16="http://schemas.microsoft.com/office/drawing/2014/main" id="{B8A17124-FD82-197C-0164-C050201091D7}"/>
-            </a:ext>
-          </a:extLst>
-        </p:cNvPr>
-        <p:cNvGrpSpPr/>
-        <p:nvPr/>
-      </p:nvGrpSpPr>
-      <p:grpSpPr>
-        <a:xfrm>
-          <a:off x="0" y="0"/>
-          <a:ext cx="0" cy="0"/>
-          <a:chOff x="0" y="0"/>
-          <a:chExt cx="0" cy="0"/>
-        </a:xfrm>
-      </p:grpSpPr>
-      <p:sp>
-        <p:nvSpPr>
-          <p:cNvPr id="2" name="Title 1">
-            <a:extLst>
-              <a:ext uri="{FF2B5EF4-FFF2-40B4-BE49-F238E27FC236}">
-                <a16:creationId xmlns:a16="http://schemas.microsoft.com/office/drawing/2014/main" id="{5DCDBC12-A637-253A-B247-414EFCCCD146}"/>
-              </a:ext>
-            </a:extLst>
-          </p:cNvPr>
-          <p:cNvSpPr>
-            <a:spLocks noGrp="1"/>
-          </p:cNvSpPr>
-          <p:nvPr>
-            <p:ph type="title"/>
-          </p:nvPr>
-        </p:nvSpPr>
-        <p:spPr>
-          <a:xfrm>
-            <a:off x="54428" y="0"/>
-            <a:ext cx="10515600" cy="658129"/>
-          </a:xfrm>
-        </p:spPr>
-        <p:txBody>
-          <a:bodyPr>
-            <a:normAutofit fontScale="90000"/>
-          </a:bodyPr>
-          <a:lstStyle/>
-          <a:p>
-            <a:r>
-              <a:rPr lang="en-US" dirty="0"/>
-              <a:t>Multithreading:</a:t>
-            </a:r>
-          </a:p>
-        </p:txBody>
-      </p:sp>
-      <p:sp>
-        <p:nvSpPr>
-          <p:cNvPr id="3" name="Content Placeholder 2">
-            <a:extLst>
-              <a:ext uri="{FF2B5EF4-FFF2-40B4-BE49-F238E27FC236}">
-                <a16:creationId xmlns:a16="http://schemas.microsoft.com/office/drawing/2014/main" id="{104FA59F-761A-B7BB-872C-F29F08FB658E}"/>
-              </a:ext>
-            </a:extLst>
-          </p:cNvPr>
-          <p:cNvSpPr>
-            <a:spLocks noGrp="1"/>
-          </p:cNvSpPr>
-          <p:nvPr>
-            <p:ph idx="1"/>
-          </p:nvPr>
-        </p:nvSpPr>
-        <p:spPr>
-          <a:xfrm>
-            <a:off x="54427" y="723910"/>
-            <a:ext cx="12053109" cy="6029430"/>
-          </a:xfrm>
-        </p:spPr>
-        <p:txBody>
-          <a:bodyPr>
-            <a:normAutofit/>
-          </a:bodyPr>
-          <a:lstStyle/>
-          <a:p>
-            <a:pPr marL="0" indent="0">
-              <a:buNone/>
-            </a:pPr>
-            <a:r>
-              <a:rPr lang="en-US" sz="2000" b="1" dirty="0"/>
-              <a:t>Process:</a:t>
-            </a:r>
-          </a:p>
-          <a:p>
-            <a:r>
-              <a:rPr lang="en-US" sz="2000" dirty="0"/>
-              <a:t>Process is an instance of a program that is getting executed.</a:t>
-            </a:r>
-          </a:p>
-          <a:p>
-            <a:r>
-              <a:rPr lang="en-US" sz="2000" dirty="0"/>
-              <a:t>It has its own resources like memory, threads etc. OS allocates these resources to process when its created.</a:t>
-            </a:r>
-          </a:p>
-          <a:p>
-            <a:endParaRPr lang="en-US" sz="2000" dirty="0"/>
-          </a:p>
-          <a:p>
-            <a:endParaRPr lang="en-US" sz="2000" dirty="0"/>
-          </a:p>
-          <a:p>
-            <a:pPr marL="0" indent="0">
-              <a:buNone/>
-            </a:pPr>
-            <a:r>
-              <a:rPr lang="en-US" sz="2000" b="1" dirty="0"/>
-              <a:t>Threads:</a:t>
-            </a:r>
-          </a:p>
-          <a:p>
-            <a:r>
-              <a:rPr lang="en-US" sz="2000" dirty="0"/>
-              <a:t>Thread is known as lightweight process OR smallest sequence of instructions that are executed by CPU independently.</a:t>
-            </a:r>
-          </a:p>
-          <a:p>
-            <a:r>
-              <a:rPr lang="en-US" sz="2000" dirty="0"/>
-              <a:t>And 1 process can have multiple threads.</a:t>
-            </a:r>
-          </a:p>
-          <a:p>
-            <a:r>
-              <a:rPr lang="en-US" sz="2000" dirty="0"/>
-              <a:t>When a process is created, it start with 1 thread and that initial thread known as “main thread” and from that we can create multiple threads to perform </a:t>
-            </a:r>
-            <a:r>
-              <a:rPr lang="en-US" sz="2000"/>
-              <a:t>task concurrently.</a:t>
-            </a:r>
-            <a:endParaRPr lang="en-US" sz="2000" dirty="0"/>
-          </a:p>
-        </p:txBody>
-      </p:sp>
-    </p:spTree>
-    <p:extLst>
-      <p:ext uri="{BB962C8B-B14F-4D97-AF65-F5344CB8AC3E}">
-        <p14:creationId xmlns:p14="http://schemas.microsoft.com/office/powerpoint/2010/main" val="1624358378"/>
-      </p:ext>
-    </p:extLst>
-  </p:cSld>
-  <p:clrMapOvr>
-    <a:masterClrMapping/>
-  </p:clrMapOvr>
-</p:sld>
-</file>
-
-<file path=ppt/slides/slide2.xml><?xml version="1.0" encoding="utf-8"?>
-<p:sld xmlns:a="http://schemas.openxmlformats.org/drawingml/2006/main" xmlns:r="http://schemas.openxmlformats.org/officeDocument/2006/relationships" xmlns:p="http://schemas.openxmlformats.org/presentationml/2006/main">
-  <p:cSld>
-    <p:spTree>
-      <p:nvGrpSpPr>
         <p:cNvPr id="1" name=""/>
         <p:cNvGrpSpPr/>
         <p:nvPr/>
@@ -3883,7 +3723,7 @@
 </p:sld>
 </file>
 
-<file path=ppt/slides/slide3.xml><?xml version="1.0" encoding="utf-8"?>
+<file path=ppt/slides/slide2.xml><?xml version="1.0" encoding="utf-8"?>
 <p:sld xmlns:a="http://schemas.openxmlformats.org/drawingml/2006/main" xmlns:r="http://schemas.openxmlformats.org/officeDocument/2006/relationships" xmlns:p="http://schemas.openxmlformats.org/presentationml/2006/main">
   <p:cSld>
     <p:spTree>
@@ -4064,7 +3904,7 @@
 </p:sld>
 </file>
 
-<file path=ppt/slides/slide4.xml><?xml version="1.0" encoding="utf-8"?>
+<file path=ppt/slides/slide3.xml><?xml version="1.0" encoding="utf-8"?>
 <p:sld xmlns:a="http://schemas.openxmlformats.org/drawingml/2006/main" xmlns:r="http://schemas.openxmlformats.org/officeDocument/2006/relationships" xmlns:p="http://schemas.openxmlformats.org/presentationml/2006/main">
   <p:cSld>
     <p:spTree>
